--- a/Neural_Networks_for_Differential_Equations/NN for PDE.pptx
+++ b/Neural_Networks_for_Differential_Equations/NN for PDE.pptx
@@ -215,7 +215,7 @@
           <a:p>
             <a:fld id="{16D87061-B70B-4885-8035-DB3310C94759}" type="datetimeFigureOut">
               <a:rPr lang="en-US" smtClean="0"/>
-              <a:t>12/6/2020</a:t>
+              <a:t>12/12/2020</a:t>
             </a:fld>
             <a:endParaRPr lang="en-US"/>
           </a:p>
@@ -1111,7 +1111,7 @@
           <a:p>
             <a:fld id="{421A1D43-B8D3-4018-8763-90AC85FD69DB}" type="datetimeFigureOut">
               <a:rPr lang="en-US" smtClean="0"/>
-              <a:t>12/6/2020</a:t>
+              <a:t>12/12/2020</a:t>
             </a:fld>
             <a:endParaRPr lang="en-US"/>
           </a:p>
@@ -1368,7 +1368,7 @@
           <a:p>
             <a:fld id="{421A1D43-B8D3-4018-8763-90AC85FD69DB}" type="datetimeFigureOut">
               <a:rPr lang="en-US" smtClean="0"/>
-              <a:t>12/6/2020</a:t>
+              <a:t>12/12/2020</a:t>
             </a:fld>
             <a:endParaRPr lang="en-US"/>
           </a:p>
@@ -1663,7 +1663,7 @@
           <a:p>
             <a:fld id="{421A1D43-B8D3-4018-8763-90AC85FD69DB}" type="datetimeFigureOut">
               <a:rPr lang="en-US" smtClean="0"/>
-              <a:t>12/6/2020</a:t>
+              <a:t>12/12/2020</a:t>
             </a:fld>
             <a:endParaRPr lang="en-US"/>
           </a:p>
@@ -2056,7 +2056,7 @@
           <a:p>
             <a:fld id="{421A1D43-B8D3-4018-8763-90AC85FD69DB}" type="datetimeFigureOut">
               <a:rPr lang="en-US" smtClean="0"/>
-              <a:t>12/6/2020</a:t>
+              <a:t>12/12/2020</a:t>
             </a:fld>
             <a:endParaRPr lang="en-US"/>
           </a:p>
@@ -22280,9 +22280,10 @@
           <a:lstStyle/>
           <a:p>
             <a:r>
-              <a:rPr lang="en-US" dirty="0"/>
+              <a:rPr lang="en-US"/>
               <a:t>https://www.youtube.com/watch?v=lXeVcMU1D9E</a:t>
             </a:r>
+            <a:endParaRPr lang="en-US" dirty="0"/>
           </a:p>
         </p:txBody>
       </p:sp>
@@ -22317,6 +22318,76 @@
             <a:r>
               <a:rPr lang="en-US" dirty="0"/>
               <a:t>https://leemeng.tw/deep-learning-for-everyone-understand-neural-net-and-linear-algebra.html</a:t>
+            </a:r>
+          </a:p>
+        </p:txBody>
+      </p:sp>
+      <p:sp>
+        <p:nvSpPr>
+          <p:cNvPr id="11" name="文字方塊 10">
+            <a:extLst>
+              <a:ext uri="{FF2B5EF4-FFF2-40B4-BE49-F238E27FC236}">
+                <a16:creationId xmlns:a16="http://schemas.microsoft.com/office/drawing/2014/main" id="{9BEA6632-45F3-4F09-A5AB-F59C1F45EA9E}"/>
+              </a:ext>
+            </a:extLst>
+          </p:cNvPr>
+          <p:cNvSpPr txBox="1"/>
+          <p:nvPr/>
+        </p:nvSpPr>
+        <p:spPr>
+          <a:xfrm>
+            <a:off x="893190" y="6469142"/>
+            <a:ext cx="7779326" cy="369332"/>
+          </a:xfrm>
+          <a:prstGeom prst="rect">
+            <a:avLst/>
+          </a:prstGeom>
+          <a:noFill/>
+        </p:spPr>
+        <p:txBody>
+          <a:bodyPr wrap="square">
+            <a:spAutoFit/>
+          </a:bodyPr>
+          <a:lstStyle/>
+          <a:p>
+            <a:r>
+              <a:rPr lang="en-US" dirty="0"/>
+              <a:t>https://github.com/analysiscenter/pydens</a:t>
+            </a:r>
+          </a:p>
+        </p:txBody>
+      </p:sp>
+      <p:sp>
+        <p:nvSpPr>
+          <p:cNvPr id="13" name="文字方塊 12">
+            <a:extLst>
+              <a:ext uri="{FF2B5EF4-FFF2-40B4-BE49-F238E27FC236}">
+                <a16:creationId xmlns:a16="http://schemas.microsoft.com/office/drawing/2014/main" id="{817247F7-5884-420A-8F17-C9D0861B0957}"/>
+              </a:ext>
+            </a:extLst>
+          </p:cNvPr>
+          <p:cNvSpPr txBox="1"/>
+          <p:nvPr/>
+        </p:nvSpPr>
+        <p:spPr>
+          <a:xfrm>
+            <a:off x="5760027" y="2867810"/>
+            <a:ext cx="7779326" cy="369332"/>
+          </a:xfrm>
+          <a:prstGeom prst="rect">
+            <a:avLst/>
+          </a:prstGeom>
+          <a:noFill/>
+        </p:spPr>
+        <p:txBody>
+          <a:bodyPr wrap="square">
+            <a:spAutoFit/>
+          </a:bodyPr>
+          <a:lstStyle/>
+          <a:p>
+            <a:r>
+              <a:rPr lang="en-US" dirty="0"/>
+              <a:t>https://www.youtube.com/watch?v=SEhMWkgcTOI</a:t>
             </a:r>
           </a:p>
         </p:txBody>
